--- a/BasicProgramming/TeamQuiz.pptx
+++ b/BasicProgramming/TeamQuiz.pptx
@@ -218,7 +218,7 @@
           <a:p>
             <a:fld id="{19104133-B5B0-4351-8158-4F0E5EB1E2BF}" type="datetimeFigureOut">
               <a:rPr lang="en-US" smtClean="0"/>
-              <a:t>1/7/2021</a:t>
+              <a:t>1/8/2021</a:t>
             </a:fld>
             <a:endParaRPr lang="en-US"/>
           </a:p>
@@ -1345,7 +1345,7 @@
             <a:fld id="{1C2D31DE-C454-491C-B5C3-F097855E3DF7}" type="datetime4">
               <a:rPr lang="en-US" smtClean="0"/>
               <a:pPr/>
-              <a:t>January 7, 2021</a:t>
+              <a:t>January 8, 2021</a:t>
             </a:fld>
             <a:endParaRPr lang="en-US" dirty="0"/>
           </a:p>
@@ -4737,7 +4737,7 @@
           <a:p>
             <a:fld id="{5958763E-B898-436D-883D-03711491D54A}" type="datetimeFigureOut">
               <a:rPr lang="en-US" smtClean="0"/>
-              <a:t>1/7/2021</a:t>
+              <a:t>1/8/2021</a:t>
             </a:fld>
             <a:endParaRPr lang="en-US"/>
           </a:p>
@@ -4930,7 +4930,7 @@
           <a:p>
             <a:fld id="{5958763E-B898-436D-883D-03711491D54A}" type="datetimeFigureOut">
               <a:rPr lang="en-US" smtClean="0"/>
-              <a:t>1/7/2021</a:t>
+              <a:t>1/8/2021</a:t>
             </a:fld>
             <a:endParaRPr lang="en-US"/>
           </a:p>
@@ -5180,7 +5180,7 @@
           <a:p>
             <a:fld id="{5958763E-B898-436D-883D-03711491D54A}" type="datetimeFigureOut">
               <a:rPr lang="en-US" smtClean="0"/>
-              <a:t>1/7/2021</a:t>
+              <a:t>1/8/2021</a:t>
             </a:fld>
             <a:endParaRPr lang="en-US"/>
           </a:p>
@@ -5528,7 +5528,7 @@
           <a:p>
             <a:fld id="{5958763E-B898-436D-883D-03711491D54A}" type="datetimeFigureOut">
               <a:rPr lang="en-US" smtClean="0"/>
-              <a:t>1/7/2021</a:t>
+              <a:t>1/8/2021</a:t>
             </a:fld>
             <a:endParaRPr lang="en-US"/>
           </a:p>
@@ -5944,7 +5944,7 @@
           <a:p>
             <a:fld id="{5958763E-B898-436D-883D-03711491D54A}" type="datetimeFigureOut">
               <a:rPr lang="en-US" smtClean="0"/>
-              <a:t>1/7/2021</a:t>
+              <a:t>1/8/2021</a:t>
             </a:fld>
             <a:endParaRPr lang="en-US"/>
           </a:p>
@@ -6445,7 +6445,7 @@
           <a:p>
             <a:fld id="{5958763E-B898-436D-883D-03711491D54A}" type="datetimeFigureOut">
               <a:rPr lang="en-US" smtClean="0"/>
-              <a:t>1/7/2021</a:t>
+              <a:t>1/8/2021</a:t>
             </a:fld>
             <a:endParaRPr lang="en-US"/>
           </a:p>
@@ -6896,7 +6896,7 @@
           <a:p>
             <a:fld id="{5958763E-B898-436D-883D-03711491D54A}" type="datetimeFigureOut">
               <a:rPr lang="en-US" smtClean="0"/>
-              <a:t>1/7/2021</a:t>
+              <a:t>1/8/2021</a:t>
             </a:fld>
             <a:endParaRPr lang="en-US"/>
           </a:p>
@@ -7507,7 +7507,7 @@
           <a:p>
             <a:fld id="{5958763E-B898-436D-883D-03711491D54A}" type="datetimeFigureOut">
               <a:rPr lang="en-US" smtClean="0"/>
-              <a:t>1/7/2021</a:t>
+              <a:t>1/8/2021</a:t>
             </a:fld>
             <a:endParaRPr lang="en-US"/>
           </a:p>
@@ -8278,7 +8278,7 @@
           <a:p>
             <a:fld id="{5958763E-B898-436D-883D-03711491D54A}" type="datetimeFigureOut">
               <a:rPr lang="en-US" smtClean="0"/>
-              <a:t>1/7/2021</a:t>
+              <a:t>1/8/2021</a:t>
             </a:fld>
             <a:endParaRPr lang="en-US"/>
           </a:p>
@@ -8382,7 +8382,7 @@
           <a:p>
             <a:fld id="{5958763E-B898-436D-883D-03711491D54A}" type="datetimeFigureOut">
               <a:rPr lang="en-US" smtClean="0"/>
-              <a:t>1/7/2021</a:t>
+              <a:t>1/8/2021</a:t>
             </a:fld>
             <a:endParaRPr lang="en-US"/>
           </a:p>
@@ -8709,7 +8709,7 @@
             <a:fld id="{1C2D31DE-C454-491C-B5C3-F097855E3DF7}" type="datetime4">
               <a:rPr lang="en-US" smtClean="0"/>
               <a:pPr/>
-              <a:t>January 7, 2021</a:t>
+              <a:t>January 8, 2021</a:t>
             </a:fld>
             <a:endParaRPr lang="en-US" dirty="0"/>
           </a:p>
@@ -11861,7 +11861,7 @@
           <a:p>
             <a:fld id="{5958763E-B898-436D-883D-03711491D54A}" type="datetimeFigureOut">
               <a:rPr lang="en-US" smtClean="0"/>
-              <a:t>1/7/2021</a:t>
+              <a:t>1/8/2021</a:t>
             </a:fld>
             <a:endParaRPr lang="en-US"/>
           </a:p>
@@ -11985,7 +11985,7 @@
           <a:p>
             <a:fld id="{5958763E-B898-436D-883D-03711491D54A}" type="datetimeFigureOut">
               <a:rPr lang="en-US" smtClean="0"/>
-              <a:t>1/7/2021</a:t>
+              <a:t>1/8/2021</a:t>
             </a:fld>
             <a:endParaRPr lang="en-US"/>
           </a:p>
@@ -12109,7 +12109,7 @@
           <a:p>
             <a:fld id="{5958763E-B898-436D-883D-03711491D54A}" type="datetimeFigureOut">
               <a:rPr lang="en-US" smtClean="0"/>
-              <a:t>1/7/2021</a:t>
+              <a:t>1/8/2021</a:t>
             </a:fld>
             <a:endParaRPr lang="en-US"/>
           </a:p>
@@ -12233,7 +12233,7 @@
           <a:p>
             <a:fld id="{5958763E-B898-436D-883D-03711491D54A}" type="datetimeFigureOut">
               <a:rPr lang="en-US" smtClean="0"/>
-              <a:t>1/7/2021</a:t>
+              <a:t>1/8/2021</a:t>
             </a:fld>
             <a:endParaRPr lang="en-US"/>
           </a:p>
@@ -12357,7 +12357,7 @@
           <a:p>
             <a:fld id="{5958763E-B898-436D-883D-03711491D54A}" type="datetimeFigureOut">
               <a:rPr lang="en-US" smtClean="0"/>
-              <a:t>1/7/2021</a:t>
+              <a:t>1/8/2021</a:t>
             </a:fld>
             <a:endParaRPr lang="en-US"/>
           </a:p>
@@ -12481,7 +12481,7 @@
           <a:p>
             <a:fld id="{5958763E-B898-436D-883D-03711491D54A}" type="datetimeFigureOut">
               <a:rPr lang="en-US" smtClean="0"/>
-              <a:t>1/7/2021</a:t>
+              <a:t>1/8/2021</a:t>
             </a:fld>
             <a:endParaRPr lang="en-US"/>
           </a:p>
@@ -12605,7 +12605,7 @@
           <a:p>
             <a:fld id="{5958763E-B898-436D-883D-03711491D54A}" type="datetimeFigureOut">
               <a:rPr lang="en-US" smtClean="0"/>
-              <a:t>1/7/2021</a:t>
+              <a:t>1/8/2021</a:t>
             </a:fld>
             <a:endParaRPr lang="en-US"/>
           </a:p>
@@ -12729,7 +12729,7 @@
           <a:p>
             <a:fld id="{5958763E-B898-436D-883D-03711491D54A}" type="datetimeFigureOut">
               <a:rPr lang="en-US" smtClean="0"/>
-              <a:t>1/7/2021</a:t>
+              <a:t>1/8/2021</a:t>
             </a:fld>
             <a:endParaRPr lang="en-US"/>
           </a:p>
@@ -12862,7 +12862,7 @@
           <a:p>
             <a:fld id="{5958763E-B898-436D-883D-03711491D54A}" type="datetimeFigureOut">
               <a:rPr lang="en-US" smtClean="0"/>
-              <a:t>1/7/2021</a:t>
+              <a:t>1/8/2021</a:t>
             </a:fld>
             <a:endParaRPr lang="en-US"/>
           </a:p>
@@ -16201,7 +16201,7 @@
             <a:fld id="{1C2D31DE-C454-491C-B5C3-F097855E3DF7}" type="datetime4">
               <a:rPr lang="en-US" smtClean="0"/>
               <a:pPr/>
-              <a:t>January 7, 2021</a:t>
+              <a:t>January 8, 2021</a:t>
             </a:fld>
             <a:endParaRPr lang="en-US" dirty="0"/>
           </a:p>
@@ -28437,7 +28437,7 @@
           <a:p>
             <a:fld id="{5958763E-B898-436D-883D-03711491D54A}" type="datetimeFigureOut">
               <a:rPr lang="en-US" smtClean="0"/>
-              <a:t>1/7/2021</a:t>
+              <a:t>1/8/2021</a:t>
             </a:fld>
             <a:endParaRPr lang="en-US"/>
           </a:p>
@@ -28839,7 +28839,7 @@
           <a:p>
             <a:fld id="{5958763E-B898-436D-883D-03711491D54A}" type="datetimeFigureOut">
               <a:rPr lang="en-US" smtClean="0"/>
-              <a:t>1/7/2021</a:t>
+              <a:t>1/8/2021</a:t>
             </a:fld>
             <a:endParaRPr lang="en-US"/>
           </a:p>
@@ -29133,7 +29133,7 @@
           <a:p>
             <a:fld id="{5958763E-B898-436D-883D-03711491D54A}" type="datetimeFigureOut">
               <a:rPr lang="en-US" smtClean="0"/>
-              <a:t>1/7/2021</a:t>
+              <a:t>1/8/2021</a:t>
             </a:fld>
             <a:endParaRPr lang="en-US"/>
           </a:p>
@@ -29334,7 +29334,7 @@
           <a:p>
             <a:fld id="{5958763E-B898-436D-883D-03711491D54A}" type="datetimeFigureOut">
               <a:rPr lang="en-US" smtClean="0"/>
-              <a:t>1/7/2021</a:t>
+              <a:t>1/8/2021</a:t>
             </a:fld>
             <a:endParaRPr lang="en-US"/>
           </a:p>
@@ -29595,7 +29595,7 @@
           <a:p>
             <a:fld id="{5958763E-B898-436D-883D-03711491D54A}" type="datetimeFigureOut">
               <a:rPr lang="en-US" smtClean="0"/>
-              <a:t>1/7/2021</a:t>
+              <a:t>1/8/2021</a:t>
             </a:fld>
             <a:endParaRPr lang="en-US"/>
           </a:p>
@@ -30103,7 +30103,7 @@
           <a:p>
             <a:fld id="{5958763E-B898-436D-883D-03711491D54A}" type="datetimeFigureOut">
               <a:rPr lang="en-US" smtClean="0"/>
-              <a:t>1/7/2021</a:t>
+              <a:t>1/8/2021</a:t>
             </a:fld>
             <a:endParaRPr lang="en-US"/>
           </a:p>
@@ -30582,7 +30582,7 @@
           <a:p>
             <a:fld id="{5958763E-B898-436D-883D-03711491D54A}" type="datetimeFigureOut">
               <a:rPr lang="en-US" smtClean="0"/>
-              <a:t>1/7/2021</a:t>
+              <a:t>1/8/2021</a:t>
             </a:fld>
             <a:endParaRPr lang="en-US"/>
           </a:p>
@@ -31401,7 +31401,7 @@
           <a:p>
             <a:fld id="{5958763E-B898-436D-883D-03711491D54A}" type="datetimeFigureOut">
               <a:rPr lang="en-US" smtClean="0"/>
-              <a:t>1/7/2021</a:t>
+              <a:t>1/8/2021</a:t>
             </a:fld>
             <a:endParaRPr lang="en-US"/>
           </a:p>
@@ -31602,7 +31602,7 @@
           <a:p>
             <a:fld id="{5958763E-B898-436D-883D-03711491D54A}" type="datetimeFigureOut">
               <a:rPr lang="en-US" smtClean="0"/>
-              <a:t>1/7/2021</a:t>
+              <a:t>1/8/2021</a:t>
             </a:fld>
             <a:endParaRPr lang="en-US"/>
           </a:p>
@@ -31937,7 +31937,7 @@
           <a:p>
             <a:fld id="{5958763E-B898-436D-883D-03711491D54A}" type="datetimeFigureOut">
               <a:rPr lang="en-US" smtClean="0"/>
-              <a:t>1/7/2021</a:t>
+              <a:t>1/8/2021</a:t>
             </a:fld>
             <a:endParaRPr lang="en-US"/>
           </a:p>
@@ -32167,7 +32167,7 @@
           <a:p>
             <a:fld id="{5958763E-B898-436D-883D-03711491D54A}" type="datetimeFigureOut">
               <a:rPr lang="en-US" smtClean="0"/>
-              <a:t>1/7/2021</a:t>
+              <a:t>1/8/2021</a:t>
             </a:fld>
             <a:endParaRPr lang="en-US"/>
           </a:p>
@@ -32411,7 +32411,7 @@
           <a:p>
             <a:fld id="{5958763E-B898-436D-883D-03711491D54A}" type="datetimeFigureOut">
               <a:rPr lang="en-US" smtClean="0"/>
-              <a:t>1/7/2021</a:t>
+              <a:t>1/8/2021</a:t>
             </a:fld>
             <a:endParaRPr lang="en-US"/>
           </a:p>
@@ -36663,8 +36663,8 @@
         </p:nvSpPr>
         <p:spPr>
           <a:xfrm>
-            <a:off x="381000" y="1188720"/>
-            <a:ext cx="3886200" cy="5257800"/>
+            <a:off x="3295649" y="1257300"/>
+            <a:ext cx="4114800" cy="5257800"/>
           </a:xfrm>
         </p:spPr>
         <p:txBody>
@@ -37085,8 +37085,8 @@
         </p:nvSpPr>
         <p:spPr bwMode="auto">
           <a:xfrm>
-            <a:off x="4610100" y="1371600"/>
-            <a:ext cx="7200900" cy="4686300"/>
+            <a:off x="7410449" y="1943100"/>
+            <a:ext cx="4114800" cy="3886200"/>
           </a:xfrm>
           <a:prstGeom prst="rect">
             <a:avLst/>
@@ -37149,7 +37149,7 @@
                 <a:ea typeface="Segoe UI" pitchFamily="34" charset="0"/>
                 <a:cs typeface="Segoe UI" pitchFamily="34" charset="0"/>
               </a:rPr>
-              <a:t>What will be printed?</a:t>
+              <a:t>Answer</a:t>
             </a:r>
           </a:p>
           <a:p>
@@ -37185,7 +37185,7 @@
               </a:spcAft>
             </a:pPr>
             <a:r>
-              <a:rPr lang="en-US" sz="19900" dirty="0">
+              <a:rPr lang="en-US" sz="16600" dirty="0">
                 <a:solidFill>
                   <a:schemeClr val="accent2"/>
                 </a:solidFill>
@@ -37195,7 +37195,7 @@
               </a:rPr>
               <a:t>16</a:t>
             </a:r>
-            <a:endParaRPr lang="en-US" dirty="0">
+            <a:endParaRPr lang="en-US" sz="1600" dirty="0">
               <a:solidFill>
                 <a:schemeClr val="accent2"/>
               </a:solidFill>
@@ -37203,6 +37203,61 @@
               <a:ea typeface="Segoe UI" pitchFamily="34" charset="0"/>
               <a:cs typeface="Segoe UI" pitchFamily="34" charset="0"/>
             </a:endParaRPr>
+          </a:p>
+        </p:txBody>
+      </p:sp>
+      <p:sp>
+        <p:nvSpPr>
+          <p:cNvPr id="4" name="TextBox 3">
+            <a:extLst>
+              <a:ext uri="{FF2B5EF4-FFF2-40B4-BE49-F238E27FC236}">
+                <a16:creationId xmlns:a16="http://schemas.microsoft.com/office/drawing/2014/main" id="{50102415-C9CF-4A14-AEB6-5891F9D67058}"/>
+              </a:ext>
+            </a:extLst>
+          </p:cNvPr>
+          <p:cNvSpPr txBox="1"/>
+          <p:nvPr/>
+        </p:nvSpPr>
+        <p:spPr>
+          <a:xfrm>
+            <a:off x="404190" y="2519672"/>
+            <a:ext cx="2605709" cy="2123658"/>
+          </a:xfrm>
+          <a:prstGeom prst="rect">
+            <a:avLst/>
+          </a:prstGeom>
+          <a:noFill/>
+        </p:spPr>
+        <p:txBody>
+          <a:bodyPr wrap="square" lIns="182880" tIns="146304" rIns="182880" bIns="146304" rtlCol="0">
+            <a:spAutoFit/>
+          </a:bodyPr>
+          <a:lstStyle/>
+          <a:p>
+            <a:pPr>
+              <a:lnSpc>
+                <a:spcPct val="90000"/>
+              </a:lnSpc>
+              <a:spcAft>
+                <a:spcPts val="600"/>
+              </a:spcAft>
+            </a:pPr>
+            <a:r>
+              <a:rPr lang="en-US" sz="4400" b="1" dirty="0">
+                <a:gradFill>
+                  <a:gsLst>
+                    <a:gs pos="2917">
+                      <a:schemeClr val="tx1"/>
+                    </a:gs>
+                    <a:gs pos="30000">
+                      <a:schemeClr val="tx1"/>
+                    </a:gs>
+                  </a:gsLst>
+                  <a:lin ang="5400000" scaled="0"/>
+                </a:gradFill>
+              </a:rPr>
+              <a:t>What will be printed?</a:t>
+            </a:r>
           </a:p>
         </p:txBody>
       </p:sp>
@@ -37240,7 +37295,7 @@
                             </p:stCondLst>
                             <p:childTnLst>
                               <p:par>
-                                <p:cTn id="5" presetID="10" presetClass="entr" presetSubtype="0" fill="hold" nodeType="clickEffect">
+                                <p:cTn id="5" presetID="10" presetClass="entr" presetSubtype="0" fill="hold" grpId="0" nodeType="clickEffect">
                                   <p:stCondLst>
                                     <p:cond delay="0"/>
                                   </p:stCondLst>
@@ -37253,7 +37308,146 @@
                                           </p:stCondLst>
                                         </p:cTn>
                                         <p:tgtEl>
-                                          <p:spTgt spid="5">
+                                          <p:spTgt spid="4"/>
+                                        </p:tgtEl>
+                                        <p:attrNameLst>
+                                          <p:attrName>style.visibility</p:attrName>
+                                        </p:attrNameLst>
+                                      </p:cBhvr>
+                                      <p:to>
+                                        <p:strVal val="visible"/>
+                                      </p:to>
+                                    </p:set>
+                                    <p:animEffect transition="in" filter="fade">
+                                      <p:cBhvr>
+                                        <p:cTn id="7" dur="500"/>
+                                        <p:tgtEl>
+                                          <p:spTgt spid="4"/>
+                                        </p:tgtEl>
+                                      </p:cBhvr>
+                                    </p:animEffect>
+                                  </p:childTnLst>
+                                </p:cTn>
+                              </p:par>
+                            </p:childTnLst>
+                          </p:cTn>
+                        </p:par>
+                      </p:childTnLst>
+                    </p:cTn>
+                  </p:par>
+                  <p:par>
+                    <p:cTn id="8" fill="hold">
+                      <p:stCondLst>
+                        <p:cond delay="indefinite"/>
+                      </p:stCondLst>
+                      <p:childTnLst>
+                        <p:par>
+                          <p:cTn id="9" fill="hold">
+                            <p:stCondLst>
+                              <p:cond delay="0"/>
+                            </p:stCondLst>
+                            <p:childTnLst>
+                              <p:par>
+                                <p:cTn id="10" presetID="10" presetClass="entr" presetSubtype="0" fill="hold" grpId="0" nodeType="clickEffect">
+                                  <p:stCondLst>
+                                    <p:cond delay="0"/>
+                                  </p:stCondLst>
+                                  <p:childTnLst>
+                                    <p:set>
+                                      <p:cBhvr>
+                                        <p:cTn id="11" dur="1" fill="hold">
+                                          <p:stCondLst>
+                                            <p:cond delay="0"/>
+                                          </p:stCondLst>
+                                        </p:cTn>
+                                        <p:tgtEl>
+                                          <p:spTgt spid="3">
+                                            <p:txEl>
+                                              <p:pRg st="0" end="0"/>
+                                            </p:txEl>
+                                          </p:spTgt>
+                                        </p:tgtEl>
+                                        <p:attrNameLst>
+                                          <p:attrName>style.visibility</p:attrName>
+                                        </p:attrNameLst>
+                                      </p:cBhvr>
+                                      <p:to>
+                                        <p:strVal val="visible"/>
+                                      </p:to>
+                                    </p:set>
+                                    <p:animEffect transition="in" filter="fade">
+                                      <p:cBhvr>
+                                        <p:cTn id="12" dur="500"/>
+                                        <p:tgtEl>
+                                          <p:spTgt spid="3">
+                                            <p:txEl>
+                                              <p:pRg st="0" end="0"/>
+                                            </p:txEl>
+                                          </p:spTgt>
+                                        </p:tgtEl>
+                                      </p:cBhvr>
+                                    </p:animEffect>
+                                  </p:childTnLst>
+                                </p:cTn>
+                              </p:par>
+                              <p:par>
+                                <p:cTn id="13" presetID="10" presetClass="entr" presetSubtype="0" fill="hold" grpId="0" nodeType="withEffect">
+                                  <p:stCondLst>
+                                    <p:cond delay="0"/>
+                                  </p:stCondLst>
+                                  <p:childTnLst>
+                                    <p:set>
+                                      <p:cBhvr>
+                                        <p:cTn id="14" dur="1" fill="hold">
+                                          <p:stCondLst>
+                                            <p:cond delay="0"/>
+                                          </p:stCondLst>
+                                        </p:cTn>
+                                        <p:tgtEl>
+                                          <p:spTgt spid="3">
+                                            <p:txEl>
+                                              <p:pRg st="1" end="1"/>
+                                            </p:txEl>
+                                          </p:spTgt>
+                                        </p:tgtEl>
+                                        <p:attrNameLst>
+                                          <p:attrName>style.visibility</p:attrName>
+                                        </p:attrNameLst>
+                                      </p:cBhvr>
+                                      <p:to>
+                                        <p:strVal val="visible"/>
+                                      </p:to>
+                                    </p:set>
+                                    <p:animEffect transition="in" filter="fade">
+                                      <p:cBhvr>
+                                        <p:cTn id="15" dur="500"/>
+                                        <p:tgtEl>
+                                          <p:spTgt spid="3">
+                                            <p:txEl>
+                                              <p:pRg st="1" end="1"/>
+                                            </p:txEl>
+                                          </p:spTgt>
+                                        </p:tgtEl>
+                                      </p:cBhvr>
+                                    </p:animEffect>
+                                  </p:childTnLst>
+                                </p:cTn>
+                              </p:par>
+                              <p:par>
+                                <p:cTn id="16" presetID="10" presetClass="entr" presetSubtype="0" fill="hold" grpId="0" nodeType="withEffect">
+                                  <p:stCondLst>
+                                    <p:cond delay="0"/>
+                                  </p:stCondLst>
+                                  <p:childTnLst>
+                                    <p:set>
+                                      <p:cBhvr>
+                                        <p:cTn id="17" dur="1" fill="hold">
+                                          <p:stCondLst>
+                                            <p:cond delay="0"/>
+                                          </p:stCondLst>
+                                        </p:cTn>
+                                        <p:tgtEl>
+                                          <p:spTgt spid="3">
                                             <p:txEl>
                                               <p:pRg st="2" end="2"/>
                                             </p:txEl>
@@ -37269,13 +37463,327 @@
                                     </p:set>
                                     <p:animEffect transition="in" filter="fade">
                                       <p:cBhvr>
-                                        <p:cTn id="7" dur="500"/>
+                                        <p:cTn id="18" dur="500"/>
                                         <p:tgtEl>
-                                          <p:spTgt spid="5">
+                                          <p:spTgt spid="3">
                                             <p:txEl>
                                               <p:pRg st="2" end="2"/>
                                             </p:txEl>
                                           </p:spTgt>
+                                        </p:tgtEl>
+                                      </p:cBhvr>
+                                    </p:animEffect>
+                                  </p:childTnLst>
+                                </p:cTn>
+                              </p:par>
+                              <p:par>
+                                <p:cTn id="19" presetID="10" presetClass="entr" presetSubtype="0" fill="hold" grpId="0" nodeType="withEffect">
+                                  <p:stCondLst>
+                                    <p:cond delay="0"/>
+                                  </p:stCondLst>
+                                  <p:childTnLst>
+                                    <p:set>
+                                      <p:cBhvr>
+                                        <p:cTn id="20" dur="1" fill="hold">
+                                          <p:stCondLst>
+                                            <p:cond delay="0"/>
+                                          </p:stCondLst>
+                                        </p:cTn>
+                                        <p:tgtEl>
+                                          <p:spTgt spid="3">
+                                            <p:txEl>
+                                              <p:pRg st="3" end="3"/>
+                                            </p:txEl>
+                                          </p:spTgt>
+                                        </p:tgtEl>
+                                        <p:attrNameLst>
+                                          <p:attrName>style.visibility</p:attrName>
+                                        </p:attrNameLst>
+                                      </p:cBhvr>
+                                      <p:to>
+                                        <p:strVal val="visible"/>
+                                      </p:to>
+                                    </p:set>
+                                    <p:animEffect transition="in" filter="fade">
+                                      <p:cBhvr>
+                                        <p:cTn id="21" dur="500"/>
+                                        <p:tgtEl>
+                                          <p:spTgt spid="3">
+                                            <p:txEl>
+                                              <p:pRg st="3" end="3"/>
+                                            </p:txEl>
+                                          </p:spTgt>
+                                        </p:tgtEl>
+                                      </p:cBhvr>
+                                    </p:animEffect>
+                                  </p:childTnLst>
+                                </p:cTn>
+                              </p:par>
+                              <p:par>
+                                <p:cTn id="22" presetID="10" presetClass="entr" presetSubtype="0" fill="hold" grpId="0" nodeType="withEffect">
+                                  <p:stCondLst>
+                                    <p:cond delay="0"/>
+                                  </p:stCondLst>
+                                  <p:childTnLst>
+                                    <p:set>
+                                      <p:cBhvr>
+                                        <p:cTn id="23" dur="1" fill="hold">
+                                          <p:stCondLst>
+                                            <p:cond delay="0"/>
+                                          </p:stCondLst>
+                                        </p:cTn>
+                                        <p:tgtEl>
+                                          <p:spTgt spid="3">
+                                            <p:txEl>
+                                              <p:pRg st="4" end="4"/>
+                                            </p:txEl>
+                                          </p:spTgt>
+                                        </p:tgtEl>
+                                        <p:attrNameLst>
+                                          <p:attrName>style.visibility</p:attrName>
+                                        </p:attrNameLst>
+                                      </p:cBhvr>
+                                      <p:to>
+                                        <p:strVal val="visible"/>
+                                      </p:to>
+                                    </p:set>
+                                    <p:animEffect transition="in" filter="fade">
+                                      <p:cBhvr>
+                                        <p:cTn id="24" dur="500"/>
+                                        <p:tgtEl>
+                                          <p:spTgt spid="3">
+                                            <p:txEl>
+                                              <p:pRg st="4" end="4"/>
+                                            </p:txEl>
+                                          </p:spTgt>
+                                        </p:tgtEl>
+                                      </p:cBhvr>
+                                    </p:animEffect>
+                                  </p:childTnLst>
+                                </p:cTn>
+                              </p:par>
+                              <p:par>
+                                <p:cTn id="25" presetID="10" presetClass="entr" presetSubtype="0" fill="hold" grpId="0" nodeType="withEffect">
+                                  <p:stCondLst>
+                                    <p:cond delay="0"/>
+                                  </p:stCondLst>
+                                  <p:childTnLst>
+                                    <p:set>
+                                      <p:cBhvr>
+                                        <p:cTn id="26" dur="1" fill="hold">
+                                          <p:stCondLst>
+                                            <p:cond delay="0"/>
+                                          </p:stCondLst>
+                                        </p:cTn>
+                                        <p:tgtEl>
+                                          <p:spTgt spid="3">
+                                            <p:txEl>
+                                              <p:pRg st="5" end="5"/>
+                                            </p:txEl>
+                                          </p:spTgt>
+                                        </p:tgtEl>
+                                        <p:attrNameLst>
+                                          <p:attrName>style.visibility</p:attrName>
+                                        </p:attrNameLst>
+                                      </p:cBhvr>
+                                      <p:to>
+                                        <p:strVal val="visible"/>
+                                      </p:to>
+                                    </p:set>
+                                    <p:animEffect transition="in" filter="fade">
+                                      <p:cBhvr>
+                                        <p:cTn id="27" dur="500"/>
+                                        <p:tgtEl>
+                                          <p:spTgt spid="3">
+                                            <p:txEl>
+                                              <p:pRg st="5" end="5"/>
+                                            </p:txEl>
+                                          </p:spTgt>
+                                        </p:tgtEl>
+                                      </p:cBhvr>
+                                    </p:animEffect>
+                                  </p:childTnLst>
+                                </p:cTn>
+                              </p:par>
+                              <p:par>
+                                <p:cTn id="28" presetID="10" presetClass="entr" presetSubtype="0" fill="hold" grpId="0" nodeType="withEffect">
+                                  <p:stCondLst>
+                                    <p:cond delay="0"/>
+                                  </p:stCondLst>
+                                  <p:childTnLst>
+                                    <p:set>
+                                      <p:cBhvr>
+                                        <p:cTn id="29" dur="1" fill="hold">
+                                          <p:stCondLst>
+                                            <p:cond delay="0"/>
+                                          </p:stCondLst>
+                                        </p:cTn>
+                                        <p:tgtEl>
+                                          <p:spTgt spid="3">
+                                            <p:txEl>
+                                              <p:pRg st="6" end="6"/>
+                                            </p:txEl>
+                                          </p:spTgt>
+                                        </p:tgtEl>
+                                        <p:attrNameLst>
+                                          <p:attrName>style.visibility</p:attrName>
+                                        </p:attrNameLst>
+                                      </p:cBhvr>
+                                      <p:to>
+                                        <p:strVal val="visible"/>
+                                      </p:to>
+                                    </p:set>
+                                    <p:animEffect transition="in" filter="fade">
+                                      <p:cBhvr>
+                                        <p:cTn id="30" dur="500"/>
+                                        <p:tgtEl>
+                                          <p:spTgt spid="3">
+                                            <p:txEl>
+                                              <p:pRg st="6" end="6"/>
+                                            </p:txEl>
+                                          </p:spTgt>
+                                        </p:tgtEl>
+                                      </p:cBhvr>
+                                    </p:animEffect>
+                                  </p:childTnLst>
+                                </p:cTn>
+                              </p:par>
+                              <p:par>
+                                <p:cTn id="31" presetID="10" presetClass="entr" presetSubtype="0" fill="hold" grpId="0" nodeType="withEffect">
+                                  <p:stCondLst>
+                                    <p:cond delay="0"/>
+                                  </p:stCondLst>
+                                  <p:childTnLst>
+                                    <p:set>
+                                      <p:cBhvr>
+                                        <p:cTn id="32" dur="1" fill="hold">
+                                          <p:stCondLst>
+                                            <p:cond delay="0"/>
+                                          </p:stCondLst>
+                                        </p:cTn>
+                                        <p:tgtEl>
+                                          <p:spTgt spid="3">
+                                            <p:txEl>
+                                              <p:pRg st="7" end="7"/>
+                                            </p:txEl>
+                                          </p:spTgt>
+                                        </p:tgtEl>
+                                        <p:attrNameLst>
+                                          <p:attrName>style.visibility</p:attrName>
+                                        </p:attrNameLst>
+                                      </p:cBhvr>
+                                      <p:to>
+                                        <p:strVal val="visible"/>
+                                      </p:to>
+                                    </p:set>
+                                    <p:animEffect transition="in" filter="fade">
+                                      <p:cBhvr>
+                                        <p:cTn id="33" dur="500"/>
+                                        <p:tgtEl>
+                                          <p:spTgt spid="3">
+                                            <p:txEl>
+                                              <p:pRg st="7" end="7"/>
+                                            </p:txEl>
+                                          </p:spTgt>
+                                        </p:tgtEl>
+                                      </p:cBhvr>
+                                    </p:animEffect>
+                                  </p:childTnLst>
+                                </p:cTn>
+                              </p:par>
+                            </p:childTnLst>
+                          </p:cTn>
+                        </p:par>
+                      </p:childTnLst>
+                    </p:cTn>
+                  </p:par>
+                  <p:par>
+                    <p:cTn id="34" fill="hold">
+                      <p:stCondLst>
+                        <p:cond delay="indefinite"/>
+                      </p:stCondLst>
+                      <p:childTnLst>
+                        <p:par>
+                          <p:cTn id="35" fill="hold">
+                            <p:stCondLst>
+                              <p:cond delay="0"/>
+                            </p:stCondLst>
+                            <p:childTnLst>
+                              <p:par>
+                                <p:cTn id="36" presetID="53" presetClass="entr" presetSubtype="16" fill="hold" grpId="0" nodeType="clickEffect">
+                                  <p:stCondLst>
+                                    <p:cond delay="0"/>
+                                  </p:stCondLst>
+                                  <p:childTnLst>
+                                    <p:set>
+                                      <p:cBhvr>
+                                        <p:cTn id="37" dur="1" fill="hold">
+                                          <p:stCondLst>
+                                            <p:cond delay="0"/>
+                                          </p:stCondLst>
+                                        </p:cTn>
+                                        <p:tgtEl>
+                                          <p:spTgt spid="5"/>
+                                        </p:tgtEl>
+                                        <p:attrNameLst>
+                                          <p:attrName>style.visibility</p:attrName>
+                                        </p:attrNameLst>
+                                      </p:cBhvr>
+                                      <p:to>
+                                        <p:strVal val="visible"/>
+                                      </p:to>
+                                    </p:set>
+                                    <p:anim calcmode="lin" valueType="num">
+                                      <p:cBhvr>
+                                        <p:cTn id="38" dur="500" fill="hold"/>
+                                        <p:tgtEl>
+                                          <p:spTgt spid="5"/>
+                                        </p:tgtEl>
+                                        <p:attrNameLst>
+                                          <p:attrName>ppt_w</p:attrName>
+                                        </p:attrNameLst>
+                                      </p:cBhvr>
+                                      <p:tavLst>
+                                        <p:tav tm="0">
+                                          <p:val>
+                                            <p:fltVal val="0"/>
+                                          </p:val>
+                                        </p:tav>
+                                        <p:tav tm="100000">
+                                          <p:val>
+                                            <p:strVal val="#ppt_w"/>
+                                          </p:val>
+                                        </p:tav>
+                                      </p:tavLst>
+                                    </p:anim>
+                                    <p:anim calcmode="lin" valueType="num">
+                                      <p:cBhvr>
+                                        <p:cTn id="39" dur="500" fill="hold"/>
+                                        <p:tgtEl>
+                                          <p:spTgt spid="5"/>
+                                        </p:tgtEl>
+                                        <p:attrNameLst>
+                                          <p:attrName>ppt_h</p:attrName>
+                                        </p:attrNameLst>
+                                      </p:cBhvr>
+                                      <p:tavLst>
+                                        <p:tav tm="0">
+                                          <p:val>
+                                            <p:fltVal val="0"/>
+                                          </p:val>
+                                        </p:tav>
+                                        <p:tav tm="100000">
+                                          <p:val>
+                                            <p:strVal val="#ppt_h"/>
+                                          </p:val>
+                                        </p:tav>
+                                      </p:tavLst>
+                                    </p:anim>
+                                    <p:animEffect transition="in" filter="fade">
+                                      <p:cBhvr>
+                                        <p:cTn id="40" dur="500"/>
+                                        <p:tgtEl>
+                                          <p:spTgt spid="5"/>
                                         </p:tgtEl>
                                       </p:cBhvr>
                                     </p:animEffect>
@@ -37309,6 +37817,11 @@
         </p:cTn>
       </p:par>
     </p:tnLst>
+    <p:bldLst>
+      <p:bldP spid="3" grpId="0" uiExpand="1" build="p"/>
+      <p:bldP spid="5" grpId="0" animBg="1"/>
+      <p:bldP spid="4" grpId="0"/>
+    </p:bldLst>
   </p:timing>
 </p:sld>
 </file>
@@ -37401,15 +37914,6 @@
           <a:solidFill>
             <a:srgbClr val="FFFFFF"/>
           </a:solidFill>
-          <a:extLst>
-            <a:ext uri="{909E8E84-426E-40DD-AFC4-6F175D3DCCD1}">
-              <a14:hiddenFill xmlns:a14="http://schemas.microsoft.com/office/drawing/2010/main">
-                <a:solidFill>
-                  <a:srgbClr val="FFFFFF"/>
-                </a:solidFill>
-              </a14:hiddenFill>
-            </a:ext>
-          </a:extLst>
         </p:spPr>
       </p:pic>
       <p:sp>
